--- a/Pics/Figures.pptx
+++ b/Pics/Figures.pptx
@@ -8,6 +8,7 @@
     <p:sldId id="256" r:id="rId2"/>
     <p:sldId id="257" r:id="rId3"/>
     <p:sldId id="258" r:id="rId4"/>
+    <p:sldId id="259" r:id="rId5"/>
   </p:sldIdLst>
   <p:sldSz cx="12192000" cy="6858000"/>
   <p:notesSz cx="6858000" cy="9144000"/>
@@ -4889,10 +4890,152 @@
           <a:chExt cx="0" cy="0"/>
         </a:xfrm>
       </p:grpSpPr>
+      <p:sp>
+        <p:nvSpPr>
+          <p:cNvPr id="14" name="矩形 13">
+            <a:extLst>
+              <a:ext uri="{FF2B5EF4-FFF2-40B4-BE49-F238E27FC236}">
+                <a16:creationId xmlns:a16="http://schemas.microsoft.com/office/drawing/2014/main" id="{007EE3A2-2D1F-4240-AA25-70195A2E8A34}"/>
+              </a:ext>
+            </a:extLst>
+          </p:cNvPr>
+          <p:cNvSpPr/>
+          <p:nvPr/>
+        </p:nvSpPr>
+        <p:spPr>
+          <a:xfrm>
+            <a:off x="1596571" y="304801"/>
+            <a:ext cx="9390743" cy="6415314"/>
+          </a:xfrm>
+          <a:prstGeom prst="rect">
+            <a:avLst/>
+          </a:prstGeom>
+          <a:solidFill>
+            <a:schemeClr val="bg1"/>
+          </a:solidFill>
+          <a:ln>
+            <a:noFill/>
+          </a:ln>
+        </p:spPr>
+        <p:style>
+          <a:lnRef idx="2">
+            <a:schemeClr val="accent1">
+              <a:shade val="50000"/>
+            </a:schemeClr>
+          </a:lnRef>
+          <a:fillRef idx="1">
+            <a:schemeClr val="accent1"/>
+          </a:fillRef>
+          <a:effectRef idx="0">
+            <a:schemeClr val="accent1"/>
+          </a:effectRef>
+          <a:fontRef idx="minor">
+            <a:schemeClr val="lt1"/>
+          </a:fontRef>
+        </p:style>
+        <p:txBody>
+          <a:bodyPr rtlCol="0" anchor="ctr"/>
+          <a:lstStyle/>
+          <a:p>
+            <a:pPr algn="ctr"/>
+            <a:endParaRPr lang="zh-CN" altLang="en-US"/>
+          </a:p>
+        </p:txBody>
+      </p:sp>
+      <p:pic>
+        <p:nvPicPr>
+          <p:cNvPr id="12" name="图片 11">
+            <a:extLst>
+              <a:ext uri="{FF2B5EF4-FFF2-40B4-BE49-F238E27FC236}">
+                <a16:creationId xmlns:a16="http://schemas.microsoft.com/office/drawing/2014/main" id="{0DCF8E34-0606-41AB-869C-F7447B066838}"/>
+              </a:ext>
+            </a:extLst>
+          </p:cNvPr>
+          <p:cNvPicPr>
+            <a:picLocks noChangeAspect="1"/>
+          </p:cNvPicPr>
+          <p:nvPr/>
+        </p:nvPicPr>
+        <p:blipFill>
+          <a:blip r:embed="rId2"/>
+          <a:stretch>
+            <a:fillRect/>
+          </a:stretch>
+        </p:blipFill>
+        <p:spPr>
+          <a:xfrm>
+            <a:off x="2090057" y="689655"/>
+            <a:ext cx="3970821" cy="5760000"/>
+          </a:xfrm>
+          <a:prstGeom prst="rect">
+            <a:avLst/>
+          </a:prstGeom>
+        </p:spPr>
+      </p:pic>
+      <p:pic>
+        <p:nvPicPr>
+          <p:cNvPr id="13" name="图片 12">
+            <a:extLst>
+              <a:ext uri="{FF2B5EF4-FFF2-40B4-BE49-F238E27FC236}">
+                <a16:creationId xmlns:a16="http://schemas.microsoft.com/office/drawing/2014/main" id="{3966FE9A-9D40-435C-AC34-21BB923DAAF1}"/>
+              </a:ext>
+            </a:extLst>
+          </p:cNvPr>
+          <p:cNvPicPr>
+            <a:picLocks noChangeAspect="1"/>
+          </p:cNvPicPr>
+          <p:nvPr/>
+        </p:nvPicPr>
+        <p:blipFill>
+          <a:blip r:embed="rId3"/>
+          <a:stretch>
+            <a:fillRect/>
+          </a:stretch>
+        </p:blipFill>
+        <p:spPr>
+          <a:xfrm>
+            <a:off x="6422797" y="689655"/>
+            <a:ext cx="4097795" cy="5760000"/>
+          </a:xfrm>
+          <a:prstGeom prst="rect">
+            <a:avLst/>
+          </a:prstGeom>
+        </p:spPr>
+      </p:pic>
     </p:spTree>
     <p:extLst>
       <p:ext uri="{BB962C8B-B14F-4D97-AF65-F5344CB8AC3E}">
         <p14:creationId xmlns:p14="http://schemas.microsoft.com/office/powerpoint/2010/main" val="2739779482"/>
+      </p:ext>
+    </p:extLst>
+  </p:cSld>
+  <p:clrMapOvr>
+    <a:masterClrMapping/>
+  </p:clrMapOvr>
+</p:sld>
+</file>
+
+<file path=ppt/slides/slide4.xml><?xml version="1.0" encoding="utf-8"?>
+<p:sld xmlns:a="http://schemas.openxmlformats.org/drawingml/2006/main" xmlns:r="http://schemas.openxmlformats.org/officeDocument/2006/relationships" xmlns:p="http://schemas.openxmlformats.org/presentationml/2006/main">
+  <p:cSld>
+    <p:spTree>
+      <p:nvGrpSpPr>
+        <p:cNvPr id="1" name=""/>
+        <p:cNvGrpSpPr/>
+        <p:nvPr/>
+      </p:nvGrpSpPr>
+      <p:grpSpPr>
+        <a:xfrm>
+          <a:off x="0" y="0"/>
+          <a:ext cx="0" cy="0"/>
+          <a:chOff x="0" y="0"/>
+          <a:chExt cx="0" cy="0"/>
+        </a:xfrm>
+      </p:grpSpPr>
+    </p:spTree>
+    <p:extLst>
+      <p:ext uri="{BB962C8B-B14F-4D97-AF65-F5344CB8AC3E}">
+        <p14:creationId xmlns:p14="http://schemas.microsoft.com/office/powerpoint/2010/main" val="3422905946"/>
       </p:ext>
     </p:extLst>
   </p:cSld>

--- a/Pics/Figures.pptx
+++ b/Pics/Figures.pptx
@@ -9,6 +9,7 @@
     <p:sldId id="257" r:id="rId3"/>
     <p:sldId id="258" r:id="rId4"/>
     <p:sldId id="259" r:id="rId5"/>
+    <p:sldId id="260" r:id="rId6"/>
   </p:sldIdLst>
   <p:sldSz cx="12192000" cy="6858000"/>
   <p:notesSz cx="6858000" cy="9144000"/>
@@ -262,7 +263,7 @@
           <a:p>
             <a:fld id="{40BB3AF8-DC88-4669-81D0-405F1CD61190}" type="datetimeFigureOut">
               <a:rPr lang="zh-CN" altLang="en-US" smtClean="0"/>
-              <a:t>2019/2/23</a:t>
+              <a:t>2019/2/24</a:t>
             </a:fld>
             <a:endParaRPr lang="zh-CN" altLang="en-US"/>
           </a:p>
@@ -460,7 +461,7 @@
           <a:p>
             <a:fld id="{40BB3AF8-DC88-4669-81D0-405F1CD61190}" type="datetimeFigureOut">
               <a:rPr lang="zh-CN" altLang="en-US" smtClean="0"/>
-              <a:t>2019/2/23</a:t>
+              <a:t>2019/2/24</a:t>
             </a:fld>
             <a:endParaRPr lang="zh-CN" altLang="en-US"/>
           </a:p>
@@ -668,7 +669,7 @@
           <a:p>
             <a:fld id="{40BB3AF8-DC88-4669-81D0-405F1CD61190}" type="datetimeFigureOut">
               <a:rPr lang="zh-CN" altLang="en-US" smtClean="0"/>
-              <a:t>2019/2/23</a:t>
+              <a:t>2019/2/24</a:t>
             </a:fld>
             <a:endParaRPr lang="zh-CN" altLang="en-US"/>
           </a:p>
@@ -866,7 +867,7 @@
           <a:p>
             <a:fld id="{40BB3AF8-DC88-4669-81D0-405F1CD61190}" type="datetimeFigureOut">
               <a:rPr lang="zh-CN" altLang="en-US" smtClean="0"/>
-              <a:t>2019/2/23</a:t>
+              <a:t>2019/2/24</a:t>
             </a:fld>
             <a:endParaRPr lang="zh-CN" altLang="en-US"/>
           </a:p>
@@ -1141,7 +1142,7 @@
           <a:p>
             <a:fld id="{40BB3AF8-DC88-4669-81D0-405F1CD61190}" type="datetimeFigureOut">
               <a:rPr lang="zh-CN" altLang="en-US" smtClean="0"/>
-              <a:t>2019/2/23</a:t>
+              <a:t>2019/2/24</a:t>
             </a:fld>
             <a:endParaRPr lang="zh-CN" altLang="en-US"/>
           </a:p>
@@ -1406,7 +1407,7 @@
           <a:p>
             <a:fld id="{40BB3AF8-DC88-4669-81D0-405F1CD61190}" type="datetimeFigureOut">
               <a:rPr lang="zh-CN" altLang="en-US" smtClean="0"/>
-              <a:t>2019/2/23</a:t>
+              <a:t>2019/2/24</a:t>
             </a:fld>
             <a:endParaRPr lang="zh-CN" altLang="en-US"/>
           </a:p>
@@ -1818,7 +1819,7 @@
           <a:p>
             <a:fld id="{40BB3AF8-DC88-4669-81D0-405F1CD61190}" type="datetimeFigureOut">
               <a:rPr lang="zh-CN" altLang="en-US" smtClean="0"/>
-              <a:t>2019/2/23</a:t>
+              <a:t>2019/2/24</a:t>
             </a:fld>
             <a:endParaRPr lang="zh-CN" altLang="en-US"/>
           </a:p>
@@ -1959,7 +1960,7 @@
           <a:p>
             <a:fld id="{40BB3AF8-DC88-4669-81D0-405F1CD61190}" type="datetimeFigureOut">
               <a:rPr lang="zh-CN" altLang="en-US" smtClean="0"/>
-              <a:t>2019/2/23</a:t>
+              <a:t>2019/2/24</a:t>
             </a:fld>
             <a:endParaRPr lang="zh-CN" altLang="en-US"/>
           </a:p>
@@ -2072,7 +2073,7 @@
           <a:p>
             <a:fld id="{40BB3AF8-DC88-4669-81D0-405F1CD61190}" type="datetimeFigureOut">
               <a:rPr lang="zh-CN" altLang="en-US" smtClean="0"/>
-              <a:t>2019/2/23</a:t>
+              <a:t>2019/2/24</a:t>
             </a:fld>
             <a:endParaRPr lang="zh-CN" altLang="en-US"/>
           </a:p>
@@ -2383,7 +2384,7 @@
           <a:p>
             <a:fld id="{40BB3AF8-DC88-4669-81D0-405F1CD61190}" type="datetimeFigureOut">
               <a:rPr lang="zh-CN" altLang="en-US" smtClean="0"/>
-              <a:t>2019/2/23</a:t>
+              <a:t>2019/2/24</a:t>
             </a:fld>
             <a:endParaRPr lang="zh-CN" altLang="en-US"/>
           </a:p>
@@ -2671,7 +2672,7 @@
           <a:p>
             <a:fld id="{40BB3AF8-DC88-4669-81D0-405F1CD61190}" type="datetimeFigureOut">
               <a:rPr lang="zh-CN" altLang="en-US" smtClean="0"/>
-              <a:t>2019/2/23</a:t>
+              <a:t>2019/2/24</a:t>
             </a:fld>
             <a:endParaRPr lang="zh-CN" altLang="en-US"/>
           </a:p>
@@ -2912,7 +2913,7 @@
           <a:p>
             <a:fld id="{40BB3AF8-DC88-4669-81D0-405F1CD61190}" type="datetimeFigureOut">
               <a:rPr lang="zh-CN" altLang="en-US" smtClean="0"/>
-              <a:t>2019/2/23</a:t>
+              <a:t>2019/2/24</a:t>
             </a:fld>
             <a:endParaRPr lang="zh-CN" altLang="en-US"/>
           </a:p>
@@ -4252,8 +4253,8 @@
           </a:p>
         </p:txBody>
       </p:sp>
-      <mc:AlternateContent xmlns:mc="http://schemas.openxmlformats.org/markup-compatibility/2006">
-        <mc:Choice xmlns:a14="http://schemas.microsoft.com/office/drawing/2010/main" Requires="a14">
+      <mc:AlternateContent xmlns:mc="http://schemas.openxmlformats.org/markup-compatibility/2006" xmlns:a14="http://schemas.microsoft.com/office/drawing/2010/main">
+        <mc:Choice Requires="a14">
           <p:sp>
             <p:nvSpPr>
               <p:cNvPr id="18" name="文本框 17">
@@ -4282,6 +4283,7 @@
               </a:bodyPr>
               <a:lstStyle/>
               <a:p>
+                <a:pPr/>
                 <a14:m>
                   <m:oMathPara xmlns:m="http://schemas.openxmlformats.org/officeDocument/2006/math">
                     <m:oMathParaPr>
@@ -4302,7 +4304,7 @@
             </p:txBody>
           </p:sp>
         </mc:Choice>
-        <mc:Fallback>
+        <mc:Fallback xmlns="">
           <p:sp>
             <p:nvSpPr>
               <p:cNvPr id="18" name="文本框 17">
@@ -4347,8 +4349,8 @@
           </p:sp>
         </mc:Fallback>
       </mc:AlternateContent>
-      <mc:AlternateContent xmlns:mc="http://schemas.openxmlformats.org/markup-compatibility/2006">
-        <mc:Choice xmlns:a14="http://schemas.microsoft.com/office/drawing/2010/main" Requires="a14">
+      <mc:AlternateContent xmlns:mc="http://schemas.openxmlformats.org/markup-compatibility/2006" xmlns:a14="http://schemas.microsoft.com/office/drawing/2010/main">
+        <mc:Choice Requires="a14">
           <p:sp>
             <p:nvSpPr>
               <p:cNvPr id="19" name="文本框 18">
@@ -4377,6 +4379,7 @@
               </a:bodyPr>
               <a:lstStyle/>
               <a:p>
+                <a:pPr/>
                 <a14:m>
                   <m:oMathPara xmlns:m="http://schemas.openxmlformats.org/officeDocument/2006/math">
                     <m:oMathParaPr>
@@ -4397,7 +4400,7 @@
             </p:txBody>
           </p:sp>
         </mc:Choice>
-        <mc:Fallback>
+        <mc:Fallback xmlns="">
           <p:sp>
             <p:nvSpPr>
               <p:cNvPr id="19" name="文本框 18">
@@ -4442,8 +4445,8 @@
           </p:sp>
         </mc:Fallback>
       </mc:AlternateContent>
-      <mc:AlternateContent xmlns:mc="http://schemas.openxmlformats.org/markup-compatibility/2006">
-        <mc:Choice xmlns:a14="http://schemas.microsoft.com/office/drawing/2010/main" Requires="a14">
+      <mc:AlternateContent xmlns:mc="http://schemas.openxmlformats.org/markup-compatibility/2006" xmlns:a14="http://schemas.microsoft.com/office/drawing/2010/main">
+        <mc:Choice Requires="a14">
           <p:sp>
             <p:nvSpPr>
               <p:cNvPr id="20" name="文本框 19">
@@ -4472,6 +4475,7 @@
               </a:bodyPr>
               <a:lstStyle/>
               <a:p>
+                <a:pPr/>
                 <a14:m>
                   <m:oMathPara xmlns:m="http://schemas.openxmlformats.org/officeDocument/2006/math">
                     <m:oMathParaPr>
@@ -4492,7 +4496,7 @@
             </p:txBody>
           </p:sp>
         </mc:Choice>
-        <mc:Fallback>
+        <mc:Fallback xmlns="">
           <p:sp>
             <p:nvSpPr>
               <p:cNvPr id="20" name="文本框 19">
@@ -4537,8 +4541,8 @@
           </p:sp>
         </mc:Fallback>
       </mc:AlternateContent>
-      <mc:AlternateContent xmlns:mc="http://schemas.openxmlformats.org/markup-compatibility/2006">
-        <mc:Choice xmlns:a14="http://schemas.microsoft.com/office/drawing/2010/main" Requires="a14">
+      <mc:AlternateContent xmlns:mc="http://schemas.openxmlformats.org/markup-compatibility/2006" xmlns:a14="http://schemas.microsoft.com/office/drawing/2010/main">
+        <mc:Choice Requires="a14">
           <p:sp>
             <p:nvSpPr>
               <p:cNvPr id="21" name="文本框 20">
@@ -4567,6 +4571,7 @@
               </a:bodyPr>
               <a:lstStyle/>
               <a:p>
+                <a:pPr/>
                 <a14:m>
                   <m:oMathPara xmlns:m="http://schemas.openxmlformats.org/officeDocument/2006/math">
                     <m:oMathParaPr>
@@ -4587,7 +4592,7 @@
             </p:txBody>
           </p:sp>
         </mc:Choice>
-        <mc:Fallback>
+        <mc:Fallback xmlns="">
           <p:sp>
             <p:nvSpPr>
               <p:cNvPr id="21" name="文本框 20">
@@ -4632,8 +4637,8 @@
           </p:sp>
         </mc:Fallback>
       </mc:AlternateContent>
-      <mc:AlternateContent xmlns:mc="http://schemas.openxmlformats.org/markup-compatibility/2006">
-        <mc:Choice xmlns:a14="http://schemas.microsoft.com/office/drawing/2010/main" Requires="a14">
+      <mc:AlternateContent xmlns:mc="http://schemas.openxmlformats.org/markup-compatibility/2006" xmlns:a14="http://schemas.microsoft.com/office/drawing/2010/main">
+        <mc:Choice Requires="a14">
           <p:sp>
             <p:nvSpPr>
               <p:cNvPr id="24" name="文本框 23">
@@ -4662,6 +4667,7 @@
               </a:bodyPr>
               <a:lstStyle/>
               <a:p>
+                <a:pPr/>
                 <a14:m>
                   <m:oMathPara xmlns:m="http://schemas.openxmlformats.org/officeDocument/2006/math">
                     <m:oMathParaPr>
@@ -4701,7 +4707,7 @@
             </p:txBody>
           </p:sp>
         </mc:Choice>
-        <mc:Fallback>
+        <mc:Fallback xmlns="">
           <p:sp>
             <p:nvSpPr>
               <p:cNvPr id="24" name="文本框 23">
@@ -4746,8 +4752,8 @@
           </p:sp>
         </mc:Fallback>
       </mc:AlternateContent>
-      <mc:AlternateContent xmlns:mc="http://schemas.openxmlformats.org/markup-compatibility/2006">
-        <mc:Choice xmlns:a14="http://schemas.microsoft.com/office/drawing/2010/main" Requires="a14">
+      <mc:AlternateContent xmlns:mc="http://schemas.openxmlformats.org/markup-compatibility/2006" xmlns:a14="http://schemas.microsoft.com/office/drawing/2010/main">
+        <mc:Choice Requires="a14">
           <p:sp>
             <p:nvSpPr>
               <p:cNvPr id="25" name="文本框 24">
@@ -4776,6 +4782,7 @@
               </a:bodyPr>
               <a:lstStyle/>
               <a:p>
+                <a:pPr/>
                 <a14:m>
                   <m:oMathPara xmlns:m="http://schemas.openxmlformats.org/officeDocument/2006/math">
                     <m:oMathParaPr>
@@ -4815,7 +4822,7 @@
             </p:txBody>
           </p:sp>
         </mc:Choice>
-        <mc:Fallback>
+        <mc:Fallback xmlns="">
           <p:sp>
             <p:nvSpPr>
               <p:cNvPr id="25" name="文本框 24">
@@ -5032,10 +5039,304 @@
           <a:chExt cx="0" cy="0"/>
         </a:xfrm>
       </p:grpSpPr>
+      <p:sp>
+        <p:nvSpPr>
+          <p:cNvPr id="6" name="矩形 5">
+            <a:extLst>
+              <a:ext uri="{FF2B5EF4-FFF2-40B4-BE49-F238E27FC236}">
+                <a16:creationId xmlns:a16="http://schemas.microsoft.com/office/drawing/2014/main" id="{6AA1D1BC-E1BE-4F10-8B0F-AC4393DE8054}"/>
+              </a:ext>
+            </a:extLst>
+          </p:cNvPr>
+          <p:cNvSpPr/>
+          <p:nvPr/>
+        </p:nvSpPr>
+        <p:spPr>
+          <a:xfrm>
+            <a:off x="1792941" y="842682"/>
+            <a:ext cx="8547847" cy="5190565"/>
+          </a:xfrm>
+          <a:prstGeom prst="rect">
+            <a:avLst/>
+          </a:prstGeom>
+          <a:solidFill>
+            <a:schemeClr val="bg1"/>
+          </a:solidFill>
+          <a:ln>
+            <a:noFill/>
+          </a:ln>
+        </p:spPr>
+        <p:style>
+          <a:lnRef idx="2">
+            <a:schemeClr val="accent1">
+              <a:shade val="50000"/>
+            </a:schemeClr>
+          </a:lnRef>
+          <a:fillRef idx="1">
+            <a:schemeClr val="accent1"/>
+          </a:fillRef>
+          <a:effectRef idx="0">
+            <a:schemeClr val="accent1"/>
+          </a:effectRef>
+          <a:fontRef idx="minor">
+            <a:schemeClr val="lt1"/>
+          </a:fontRef>
+        </p:style>
+        <p:txBody>
+          <a:bodyPr rtlCol="0" anchor="ctr"/>
+          <a:lstStyle/>
+          <a:p>
+            <a:pPr algn="ctr"/>
+            <a:endParaRPr lang="zh-CN" altLang="en-US"/>
+          </a:p>
+        </p:txBody>
+      </p:sp>
+      <p:pic>
+        <p:nvPicPr>
+          <p:cNvPr id="5" name="图片 4">
+            <a:extLst>
+              <a:ext uri="{FF2B5EF4-FFF2-40B4-BE49-F238E27FC236}">
+                <a16:creationId xmlns:a16="http://schemas.microsoft.com/office/drawing/2014/main" id="{7D5B088B-6C2C-4BA2-BFCC-F6935DA167D7}"/>
+              </a:ext>
+            </a:extLst>
+          </p:cNvPr>
+          <p:cNvPicPr>
+            <a:picLocks noChangeAspect="1"/>
+          </p:cNvPicPr>
+          <p:nvPr/>
+        </p:nvPicPr>
+        <p:blipFill>
+          <a:blip r:embed="rId2"/>
+          <a:stretch>
+            <a:fillRect/>
+          </a:stretch>
+        </p:blipFill>
+        <p:spPr>
+          <a:xfrm>
+            <a:off x="2218608" y="1161091"/>
+            <a:ext cx="7754784" cy="4535817"/>
+          </a:xfrm>
+          <a:prstGeom prst="rect">
+            <a:avLst/>
+          </a:prstGeom>
+        </p:spPr>
+      </p:pic>
     </p:spTree>
     <p:extLst>
       <p:ext uri="{BB962C8B-B14F-4D97-AF65-F5344CB8AC3E}">
         <p14:creationId xmlns:p14="http://schemas.microsoft.com/office/powerpoint/2010/main" val="3422905946"/>
+      </p:ext>
+    </p:extLst>
+  </p:cSld>
+  <p:clrMapOvr>
+    <a:masterClrMapping/>
+  </p:clrMapOvr>
+</p:sld>
+</file>
+
+<file path=ppt/slides/slide5.xml><?xml version="1.0" encoding="utf-8"?>
+<p:sld xmlns:a="http://schemas.openxmlformats.org/drawingml/2006/main" xmlns:r="http://schemas.openxmlformats.org/officeDocument/2006/relationships" xmlns:p="http://schemas.openxmlformats.org/presentationml/2006/main">
+  <p:cSld>
+    <p:spTree>
+      <p:nvGrpSpPr>
+        <p:cNvPr id="1" name=""/>
+        <p:cNvGrpSpPr/>
+        <p:nvPr/>
+      </p:nvGrpSpPr>
+      <p:grpSpPr>
+        <a:xfrm>
+          <a:off x="0" y="0"/>
+          <a:ext cx="0" cy="0"/>
+          <a:chOff x="0" y="0"/>
+          <a:chExt cx="0" cy="0"/>
+        </a:xfrm>
+      </p:grpSpPr>
+      <p:sp>
+        <p:nvSpPr>
+          <p:cNvPr id="10" name="矩形 9">
+            <a:extLst>
+              <a:ext uri="{FF2B5EF4-FFF2-40B4-BE49-F238E27FC236}">
+                <a16:creationId xmlns:a16="http://schemas.microsoft.com/office/drawing/2014/main" id="{F821F783-AB45-4B76-8361-8AEE616130AC}"/>
+              </a:ext>
+            </a:extLst>
+          </p:cNvPr>
+          <p:cNvSpPr/>
+          <p:nvPr/>
+        </p:nvSpPr>
+        <p:spPr>
+          <a:xfrm>
+            <a:off x="1918447" y="950259"/>
+            <a:ext cx="8323729" cy="4948517"/>
+          </a:xfrm>
+          <a:prstGeom prst="rect">
+            <a:avLst/>
+          </a:prstGeom>
+          <a:solidFill>
+            <a:schemeClr val="bg1"/>
+          </a:solidFill>
+          <a:ln>
+            <a:noFill/>
+          </a:ln>
+        </p:spPr>
+        <p:style>
+          <a:lnRef idx="2">
+            <a:schemeClr val="accent1">
+              <a:shade val="50000"/>
+            </a:schemeClr>
+          </a:lnRef>
+          <a:fillRef idx="1">
+            <a:schemeClr val="accent1"/>
+          </a:fillRef>
+          <a:effectRef idx="0">
+            <a:schemeClr val="accent1"/>
+          </a:effectRef>
+          <a:fontRef idx="minor">
+            <a:schemeClr val="lt1"/>
+          </a:fontRef>
+        </p:style>
+        <p:txBody>
+          <a:bodyPr rtlCol="0" anchor="ctr"/>
+          <a:lstStyle/>
+          <a:p>
+            <a:pPr algn="ctr"/>
+            <a:endParaRPr lang="zh-CN" altLang="en-US"/>
+          </a:p>
+        </p:txBody>
+      </p:sp>
+      <p:pic>
+        <p:nvPicPr>
+          <p:cNvPr id="6" name="图片 5">
+            <a:extLst>
+              <a:ext uri="{FF2B5EF4-FFF2-40B4-BE49-F238E27FC236}">
+                <a16:creationId xmlns:a16="http://schemas.microsoft.com/office/drawing/2014/main" id="{ABC7644F-DC46-4215-84C2-9F8D30E0238A}"/>
+              </a:ext>
+            </a:extLst>
+          </p:cNvPr>
+          <p:cNvPicPr>
+            <a:picLocks noChangeAspect="1"/>
+          </p:cNvPicPr>
+          <p:nvPr/>
+        </p:nvPicPr>
+        <p:blipFill>
+          <a:blip r:embed="rId2"/>
+          <a:stretch>
+            <a:fillRect/>
+          </a:stretch>
+        </p:blipFill>
+        <p:spPr>
+          <a:xfrm>
+            <a:off x="6177565" y="3492424"/>
+            <a:ext cx="3841000" cy="2160000"/>
+          </a:xfrm>
+          <a:prstGeom prst="rect">
+            <a:avLst/>
+          </a:prstGeom>
+        </p:spPr>
+      </p:pic>
+      <p:pic>
+        <p:nvPicPr>
+          <p:cNvPr id="7" name="图片 6">
+            <a:extLst>
+              <a:ext uri="{FF2B5EF4-FFF2-40B4-BE49-F238E27FC236}">
+                <a16:creationId xmlns:a16="http://schemas.microsoft.com/office/drawing/2014/main" id="{4078D075-DE9F-43D6-B4C1-CE746AB1314C}"/>
+              </a:ext>
+            </a:extLst>
+          </p:cNvPr>
+          <p:cNvPicPr>
+            <a:picLocks noChangeAspect="1"/>
+          </p:cNvPicPr>
+          <p:nvPr/>
+        </p:nvPicPr>
+        <p:blipFill rotWithShape="1">
+          <a:blip r:embed="rId3" cstate="print">
+            <a:extLst>
+              <a:ext uri="{28A0092B-C50C-407E-A947-70E740481C1C}">
+                <a14:useLocalDpi xmlns:a14="http://schemas.microsoft.com/office/drawing/2010/main" val="0"/>
+              </a:ext>
+            </a:extLst>
+          </a:blip>
+          <a:srcRect l="9184" r="6675"/>
+          <a:stretch/>
+        </p:blipFill>
+        <p:spPr>
+          <a:xfrm>
+            <a:off x="2173435" y="3492078"/>
+            <a:ext cx="3841000" cy="2160000"/>
+          </a:xfrm>
+          <a:prstGeom prst="rect">
+            <a:avLst/>
+          </a:prstGeom>
+        </p:spPr>
+      </p:pic>
+      <p:pic>
+        <p:nvPicPr>
+          <p:cNvPr id="8" name="图片 7">
+            <a:extLst>
+              <a:ext uri="{FF2B5EF4-FFF2-40B4-BE49-F238E27FC236}">
+                <a16:creationId xmlns:a16="http://schemas.microsoft.com/office/drawing/2014/main" id="{3136BF0B-3D3F-46A2-9790-B44EEDDF26BD}"/>
+              </a:ext>
+            </a:extLst>
+          </p:cNvPr>
+          <p:cNvPicPr>
+            <a:picLocks noChangeAspect="1"/>
+          </p:cNvPicPr>
+          <p:nvPr/>
+        </p:nvPicPr>
+        <p:blipFill>
+          <a:blip r:embed="rId4"/>
+          <a:stretch>
+            <a:fillRect/>
+          </a:stretch>
+        </p:blipFill>
+        <p:spPr>
+          <a:xfrm>
+            <a:off x="6177565" y="1205577"/>
+            <a:ext cx="3841000" cy="2156800"/>
+          </a:xfrm>
+          <a:prstGeom prst="rect">
+            <a:avLst/>
+          </a:prstGeom>
+        </p:spPr>
+      </p:pic>
+      <p:pic>
+        <p:nvPicPr>
+          <p:cNvPr id="9" name="图片 8">
+            <a:extLst>
+              <a:ext uri="{FF2B5EF4-FFF2-40B4-BE49-F238E27FC236}">
+                <a16:creationId xmlns:a16="http://schemas.microsoft.com/office/drawing/2014/main" id="{7C141922-5B5D-4889-BC2E-1CFA8E6E9398}"/>
+              </a:ext>
+            </a:extLst>
+          </p:cNvPr>
+          <p:cNvPicPr>
+            <a:picLocks noChangeAspect="1"/>
+          </p:cNvPicPr>
+          <p:nvPr/>
+        </p:nvPicPr>
+        <p:blipFill rotWithShape="1">
+          <a:blip r:embed="rId5">
+            <a:extLst>
+              <a:ext uri="{28A0092B-C50C-407E-A947-70E740481C1C}">
+                <a14:useLocalDpi xmlns:a14="http://schemas.microsoft.com/office/drawing/2010/main" val="0"/>
+              </a:ext>
+            </a:extLst>
+          </a:blip>
+          <a:srcRect l="3031" t="3299" r="1157"/>
+          <a:stretch/>
+        </p:blipFill>
+        <p:spPr>
+          <a:xfrm>
+            <a:off x="2173435" y="1205577"/>
+            <a:ext cx="3841000" cy="2160000"/>
+          </a:xfrm>
+          <a:prstGeom prst="rect">
+            <a:avLst/>
+          </a:prstGeom>
+        </p:spPr>
+      </p:pic>
+    </p:spTree>
+    <p:extLst>
+      <p:ext uri="{BB962C8B-B14F-4D97-AF65-F5344CB8AC3E}">
+        <p14:creationId xmlns:p14="http://schemas.microsoft.com/office/powerpoint/2010/main" val="3834922526"/>
       </p:ext>
     </p:extLst>
   </p:cSld>
